--- a/learn.pptx
+++ b/learn.pptx
@@ -7,6 +7,18 @@
   <p:sldIdLst>
     <p:sldId id="256" r:id="rId2"/>
     <p:sldId id="257" r:id="rId3"/>
+    <p:sldId id="258" r:id="rId4"/>
+    <p:sldId id="259" r:id="rId5"/>
+    <p:sldId id="260" r:id="rId6"/>
+    <p:sldId id="261" r:id="rId7"/>
+    <p:sldId id="262" r:id="rId8"/>
+    <p:sldId id="263" r:id="rId9"/>
+    <p:sldId id="264" r:id="rId10"/>
+    <p:sldId id="265" r:id="rId11"/>
+    <p:sldId id="266" r:id="rId12"/>
+    <p:sldId id="267" r:id="rId13"/>
+    <p:sldId id="268" r:id="rId14"/>
+    <p:sldId id="269" r:id="rId15"/>
   </p:sldIdLst>
   <p:sldSz cx="9144000" cy="6858000" type="screen4x3"/>
   <p:notesSz cx="6858000" cy="9144000"/>
@@ -142,7 +154,7 @@
           <a:p>
             <a:fld id="{4251665B-C24A-4702-B522-6A4334602E03}" type="datetimeFigureOut">
               <a:rPr lang="en-US" smtClean="0"/>
-              <a:t>26/10/14</a:t>
+              <a:t>27/10/14</a:t>
             </a:fld>
             <a:endParaRPr lang="en-US"/>
           </a:p>
@@ -899,7 +911,7 @@
           <a:p>
             <a:fld id="{4251665B-C24A-4702-B522-6A4334602E03}" type="datetimeFigureOut">
               <a:rPr lang="en-US" smtClean="0"/>
-              <a:t>26/10/14</a:t>
+              <a:t>27/10/14</a:t>
             </a:fld>
             <a:endParaRPr lang="en-US"/>
           </a:p>
@@ -1523,7 +1535,7 @@
           <a:p>
             <a:fld id="{4251665B-C24A-4702-B522-6A4334602E03}" type="datetimeFigureOut">
               <a:rPr lang="en-US" smtClean="0"/>
-              <a:t>26/10/14</a:t>
+              <a:t>27/10/14</a:t>
             </a:fld>
             <a:endParaRPr lang="en-US"/>
           </a:p>
@@ -1946,7 +1958,7 @@
           <a:p>
             <a:fld id="{4251665B-C24A-4702-B522-6A4334602E03}" type="datetimeFigureOut">
               <a:rPr lang="en-US" smtClean="0"/>
-              <a:t>26/10/14</a:t>
+              <a:t>27/10/14</a:t>
             </a:fld>
             <a:endParaRPr lang="en-US"/>
           </a:p>
@@ -2123,7 +2135,7 @@
           <a:p>
             <a:fld id="{4251665B-C24A-4702-B522-6A4334602E03}" type="datetimeFigureOut">
               <a:rPr lang="en-US" smtClean="0"/>
-              <a:t>26/10/14</a:t>
+              <a:t>27/10/14</a:t>
             </a:fld>
             <a:endParaRPr lang="en-US"/>
           </a:p>
@@ -2940,7 +2952,7 @@
           <a:p>
             <a:fld id="{4251665B-C24A-4702-B522-6A4334602E03}" type="datetimeFigureOut">
               <a:rPr lang="en-US" smtClean="0"/>
-              <a:t>26/10/14</a:t>
+              <a:t>27/10/14</a:t>
             </a:fld>
             <a:endParaRPr lang="en-US"/>
           </a:p>
@@ -3451,7 +3463,7 @@
           <a:p>
             <a:fld id="{4251665B-C24A-4702-B522-6A4334602E03}" type="datetimeFigureOut">
               <a:rPr lang="en-US" smtClean="0"/>
-              <a:t>26/10/14</a:t>
+              <a:t>27/10/14</a:t>
             </a:fld>
             <a:endParaRPr lang="en-US"/>
           </a:p>
@@ -3684,7 +3696,7 @@
           <a:p>
             <a:fld id="{4251665B-C24A-4702-B522-6A4334602E03}" type="datetimeFigureOut">
               <a:rPr lang="en-US" smtClean="0"/>
-              <a:t>26/10/14</a:t>
+              <a:t>27/10/14</a:t>
             </a:fld>
             <a:endParaRPr lang="en-US"/>
           </a:p>
@@ -4209,7 +4221,7 @@
           <a:p>
             <a:fld id="{4251665B-C24A-4702-B522-6A4334602E03}" type="datetimeFigureOut">
               <a:rPr lang="en-US" smtClean="0"/>
-              <a:t>26/10/14</a:t>
+              <a:t>27/10/14</a:t>
             </a:fld>
             <a:endParaRPr lang="en-US"/>
           </a:p>
@@ -4344,7 +4356,7 @@
           <a:p>
             <a:fld id="{4251665B-C24A-4702-B522-6A4334602E03}" type="datetimeFigureOut">
               <a:rPr lang="en-US" smtClean="0"/>
-              <a:t>26/10/14</a:t>
+              <a:t>27/10/14</a:t>
             </a:fld>
             <a:endParaRPr lang="en-US"/>
           </a:p>
@@ -5242,7 +5254,7 @@
           <a:p>
             <a:fld id="{4251665B-C24A-4702-B522-6A4334602E03}" type="datetimeFigureOut">
               <a:rPr lang="en-US" smtClean="0"/>
-              <a:t>26/10/14</a:t>
+              <a:t>27/10/14</a:t>
             </a:fld>
             <a:endParaRPr lang="en-US"/>
           </a:p>
@@ -5365,7 +5377,7 @@
           <a:p>
             <a:fld id="{4251665B-C24A-4702-B522-6A4334602E03}" type="datetimeFigureOut">
               <a:rPr lang="en-US" smtClean="0"/>
-              <a:t>26/10/14</a:t>
+              <a:t>27/10/14</a:t>
             </a:fld>
             <a:endParaRPr lang="en-US"/>
           </a:p>
@@ -6249,7 +6261,7 @@
           <a:p>
             <a:fld id="{4251665B-C24A-4702-B522-6A4334602E03}" type="datetimeFigureOut">
               <a:rPr lang="en-US" smtClean="0"/>
-              <a:t>26/10/14</a:t>
+              <a:t>27/10/14</a:t>
             </a:fld>
             <a:endParaRPr lang="en-US"/>
           </a:p>
@@ -6897,7 +6909,7 @@
           <a:p>
             <a:fld id="{4251665B-C24A-4702-B522-6A4334602E03}" type="datetimeFigureOut">
               <a:rPr lang="en-US" smtClean="0"/>
-              <a:t>26/10/14</a:t>
+              <a:t>27/10/14</a:t>
             </a:fld>
             <a:endParaRPr lang="en-US"/>
           </a:p>
@@ -7213,7 +7225,7 @@
           <a:p>
             <a:fld id="{4251665B-C24A-4702-B522-6A4334602E03}" type="datetimeFigureOut">
               <a:rPr lang="en-US" smtClean="0"/>
-              <a:t>26/10/14</a:t>
+              <a:t>27/10/14</a:t>
             </a:fld>
             <a:endParaRPr lang="en-US"/>
           </a:p>
@@ -7303,7 +7315,7 @@
           <a:p>
             <a:fld id="{4251665B-C24A-4702-B522-6A4334602E03}" type="datetimeFigureOut">
               <a:rPr lang="en-US" smtClean="0"/>
-              <a:t>26/10/14</a:t>
+              <a:t>27/10/14</a:t>
             </a:fld>
             <a:endParaRPr lang="en-US"/>
           </a:p>
@@ -7631,7 +7643,7 @@
           <a:p>
             <a:fld id="{4251665B-C24A-4702-B522-6A4334602E03}" type="datetimeFigureOut">
               <a:rPr lang="en-US" smtClean="0"/>
-              <a:t>26/10/14</a:t>
+              <a:t>27/10/14</a:t>
             </a:fld>
             <a:endParaRPr lang="en-US"/>
           </a:p>
@@ -8193,6 +8205,468 @@
 </p:sld>
 </file>
 
+<file path=ppt/slides/slide10.xml><?xml version="1.0" encoding="utf-8"?>
+<p:sld xmlns:a="http://schemas.openxmlformats.org/drawingml/2006/main" xmlns:r="http://schemas.openxmlformats.org/officeDocument/2006/relationships" xmlns:p="http://schemas.openxmlformats.org/presentationml/2006/main">
+  <p:cSld>
+    <p:spTree>
+      <p:nvGrpSpPr>
+        <p:cNvPr id="1" name=""/>
+        <p:cNvGrpSpPr/>
+        <p:nvPr/>
+      </p:nvGrpSpPr>
+      <p:grpSpPr>
+        <a:xfrm>
+          <a:off x="0" y="0"/>
+          <a:ext cx="0" cy="0"/>
+          <a:chOff x="0" y="0"/>
+          <a:chExt cx="0" cy="0"/>
+        </a:xfrm>
+      </p:grpSpPr>
+      <p:sp>
+        <p:nvSpPr>
+          <p:cNvPr id="2" name="Title 1"/>
+          <p:cNvSpPr>
+            <a:spLocks noGrp="1"/>
+          </p:cNvSpPr>
+          <p:nvPr>
+            <p:ph type="title"/>
+          </p:nvPr>
+        </p:nvSpPr>
+        <p:spPr/>
+        <p:txBody>
+          <a:bodyPr/>
+          <a:lstStyle/>
+          <a:p>
+            <a:r>
+              <a:rPr lang="en-US" dirty="0" smtClean="0"/>
+              <a:t>Better Ways</a:t>
+            </a:r>
+            <a:endParaRPr lang="en-US" dirty="0"/>
+          </a:p>
+        </p:txBody>
+      </p:sp>
+      <p:sp>
+        <p:nvSpPr>
+          <p:cNvPr id="3" name="Content Placeholder 2"/>
+          <p:cNvSpPr>
+            <a:spLocks noGrp="1"/>
+          </p:cNvSpPr>
+          <p:nvPr>
+            <p:ph idx="1"/>
+          </p:nvPr>
+        </p:nvSpPr>
+        <p:spPr/>
+        <p:txBody>
+          <a:bodyPr/>
+          <a:lstStyle/>
+          <a:p>
+            <a:r>
+              <a:rPr lang="en-US" dirty="0" smtClean="0"/>
+              <a:t>Some simple tricks</a:t>
+            </a:r>
+          </a:p>
+          <a:p>
+            <a:pPr lvl="1"/>
+            <a:r>
+              <a:rPr lang="en-US" dirty="0" smtClean="0"/>
+              <a:t>Repetitive practice</a:t>
+            </a:r>
+          </a:p>
+          <a:p>
+            <a:pPr lvl="1"/>
+            <a:r>
+              <a:rPr lang="en-US" dirty="0" smtClean="0"/>
+              <a:t>Chunking </a:t>
+            </a:r>
+          </a:p>
+          <a:p>
+            <a:pPr lvl="1"/>
+            <a:r>
+              <a:rPr lang="en-US" dirty="0" smtClean="0"/>
+              <a:t>Defeating procrastination</a:t>
+            </a:r>
+          </a:p>
+          <a:p>
+            <a:pPr lvl="2"/>
+            <a:r>
+              <a:rPr lang="en-US" dirty="0" smtClean="0"/>
+              <a:t>How?</a:t>
+            </a:r>
+          </a:p>
+          <a:p>
+            <a:pPr lvl="1"/>
+            <a:r>
+              <a:rPr lang="en-US" dirty="0" smtClean="0"/>
+              <a:t>Know your memory </a:t>
+            </a:r>
+          </a:p>
+          <a:p>
+            <a:pPr lvl="1"/>
+            <a:r>
+              <a:rPr lang="en-US" dirty="0" smtClean="0"/>
+              <a:t>Diffused and focused modes of thinking</a:t>
+            </a:r>
+            <a:endParaRPr lang="en-US" dirty="0"/>
+          </a:p>
+        </p:txBody>
+      </p:sp>
+    </p:spTree>
+    <p:extLst>
+      <p:ext uri="{BB962C8B-B14F-4D97-AF65-F5344CB8AC3E}">
+        <p14:creationId xmlns:p14="http://schemas.microsoft.com/office/powerpoint/2010/main" val="1608823986"/>
+      </p:ext>
+    </p:extLst>
+  </p:cSld>
+  <p:clrMapOvr>
+    <a:masterClrMapping/>
+  </p:clrMapOvr>
+</p:sld>
+</file>
+
+<file path=ppt/slides/slide11.xml><?xml version="1.0" encoding="utf-8"?>
+<p:sld xmlns:a="http://schemas.openxmlformats.org/drawingml/2006/main" xmlns:r="http://schemas.openxmlformats.org/officeDocument/2006/relationships" xmlns:p="http://schemas.openxmlformats.org/presentationml/2006/main">
+  <p:cSld>
+    <p:spTree>
+      <p:nvGrpSpPr>
+        <p:cNvPr id="1" name=""/>
+        <p:cNvGrpSpPr/>
+        <p:nvPr/>
+      </p:nvGrpSpPr>
+      <p:grpSpPr>
+        <a:xfrm>
+          <a:off x="0" y="0"/>
+          <a:ext cx="0" cy="0"/>
+          <a:chOff x="0" y="0"/>
+          <a:chExt cx="0" cy="0"/>
+        </a:xfrm>
+      </p:grpSpPr>
+      <p:sp>
+        <p:nvSpPr>
+          <p:cNvPr id="2" name="Title 1"/>
+          <p:cNvSpPr>
+            <a:spLocks noGrp="1"/>
+          </p:cNvSpPr>
+          <p:nvPr>
+            <p:ph type="title"/>
+          </p:nvPr>
+        </p:nvSpPr>
+        <p:spPr/>
+        <p:txBody>
+          <a:bodyPr/>
+          <a:lstStyle/>
+          <a:p>
+            <a:r>
+              <a:rPr lang="en-US" dirty="0" smtClean="0"/>
+              <a:t>Better Ways</a:t>
+            </a:r>
+            <a:endParaRPr lang="en-US" dirty="0"/>
+          </a:p>
+        </p:txBody>
+      </p:sp>
+      <p:sp>
+        <p:nvSpPr>
+          <p:cNvPr id="3" name="Content Placeholder 2"/>
+          <p:cNvSpPr>
+            <a:spLocks noGrp="1"/>
+          </p:cNvSpPr>
+          <p:nvPr>
+            <p:ph idx="1"/>
+          </p:nvPr>
+        </p:nvSpPr>
+        <p:spPr/>
+        <p:txBody>
+          <a:bodyPr/>
+          <a:lstStyle/>
+          <a:p>
+            <a:r>
+              <a:rPr lang="en-US" dirty="0" smtClean="0"/>
+              <a:t>More tricks </a:t>
+            </a:r>
+          </a:p>
+          <a:p>
+            <a:pPr lvl="1"/>
+            <a:r>
+              <a:rPr lang="en-US" dirty="0" smtClean="0"/>
+              <a:t>Interleaving</a:t>
+            </a:r>
+          </a:p>
+          <a:p>
+            <a:pPr lvl="1"/>
+            <a:r>
+              <a:rPr lang="en-US" dirty="0" smtClean="0"/>
+              <a:t>Be the worst in the room</a:t>
+            </a:r>
+          </a:p>
+          <a:p>
+            <a:pPr lvl="1"/>
+            <a:r>
+              <a:rPr lang="en-US" dirty="0" smtClean="0"/>
+              <a:t>Sleep over it</a:t>
+            </a:r>
+            <a:endParaRPr lang="en-US" dirty="0"/>
+          </a:p>
+        </p:txBody>
+      </p:sp>
+    </p:spTree>
+    <p:extLst>
+      <p:ext uri="{BB962C8B-B14F-4D97-AF65-F5344CB8AC3E}">
+        <p14:creationId xmlns:p14="http://schemas.microsoft.com/office/powerpoint/2010/main" val="2700468767"/>
+      </p:ext>
+    </p:extLst>
+  </p:cSld>
+  <p:clrMapOvr>
+    <a:masterClrMapping/>
+  </p:clrMapOvr>
+</p:sld>
+</file>
+
+<file path=ppt/slides/slide12.xml><?xml version="1.0" encoding="utf-8"?>
+<p:sld xmlns:a="http://schemas.openxmlformats.org/drawingml/2006/main" xmlns:r="http://schemas.openxmlformats.org/officeDocument/2006/relationships" xmlns:p="http://schemas.openxmlformats.org/presentationml/2006/main">
+  <p:cSld>
+    <p:spTree>
+      <p:nvGrpSpPr>
+        <p:cNvPr id="1" name=""/>
+        <p:cNvGrpSpPr/>
+        <p:nvPr/>
+      </p:nvGrpSpPr>
+      <p:grpSpPr>
+        <a:xfrm>
+          <a:off x="0" y="0"/>
+          <a:ext cx="0" cy="0"/>
+          <a:chOff x="0" y="0"/>
+          <a:chExt cx="0" cy="0"/>
+        </a:xfrm>
+      </p:grpSpPr>
+      <p:sp>
+        <p:nvSpPr>
+          <p:cNvPr id="2" name="Title 1"/>
+          <p:cNvSpPr>
+            <a:spLocks noGrp="1"/>
+          </p:cNvSpPr>
+          <p:nvPr>
+            <p:ph type="title"/>
+          </p:nvPr>
+        </p:nvSpPr>
+        <p:spPr/>
+        <p:txBody>
+          <a:bodyPr/>
+          <a:lstStyle/>
+          <a:p>
+            <a:r>
+              <a:rPr lang="en-US" dirty="0" smtClean="0"/>
+              <a:t>Worse Ways</a:t>
+            </a:r>
+            <a:endParaRPr lang="en-US" dirty="0"/>
+          </a:p>
+        </p:txBody>
+      </p:sp>
+      <p:sp>
+        <p:nvSpPr>
+          <p:cNvPr id="3" name="Content Placeholder 2"/>
+          <p:cNvSpPr>
+            <a:spLocks noGrp="1"/>
+          </p:cNvSpPr>
+          <p:nvPr>
+            <p:ph idx="1"/>
+          </p:nvPr>
+        </p:nvSpPr>
+        <p:spPr/>
+        <p:txBody>
+          <a:bodyPr/>
+          <a:lstStyle/>
+          <a:p>
+            <a:r>
+              <a:rPr lang="en-US" dirty="0" smtClean="0"/>
+              <a:t>Overlearning</a:t>
+            </a:r>
+          </a:p>
+          <a:p>
+            <a:r>
+              <a:rPr lang="en-US" dirty="0" smtClean="0"/>
+              <a:t>Choking</a:t>
+            </a:r>
+          </a:p>
+          <a:p>
+            <a:r>
+              <a:rPr lang="en-US" dirty="0" err="1" smtClean="0"/>
+              <a:t>Einstellung</a:t>
+            </a:r>
+            <a:endParaRPr lang="en-US" dirty="0"/>
+          </a:p>
+        </p:txBody>
+      </p:sp>
+    </p:spTree>
+    <p:extLst>
+      <p:ext uri="{BB962C8B-B14F-4D97-AF65-F5344CB8AC3E}">
+        <p14:creationId xmlns:p14="http://schemas.microsoft.com/office/powerpoint/2010/main" val="1324119733"/>
+      </p:ext>
+    </p:extLst>
+  </p:cSld>
+  <p:clrMapOvr>
+    <a:masterClrMapping/>
+  </p:clrMapOvr>
+</p:sld>
+</file>
+
+<file path=ppt/slides/slide13.xml><?xml version="1.0" encoding="utf-8"?>
+<p:sld xmlns:a="http://schemas.openxmlformats.org/drawingml/2006/main" xmlns:r="http://schemas.openxmlformats.org/officeDocument/2006/relationships" xmlns:p="http://schemas.openxmlformats.org/presentationml/2006/main">
+  <p:cSld>
+    <p:spTree>
+      <p:nvGrpSpPr>
+        <p:cNvPr id="1" name=""/>
+        <p:cNvGrpSpPr/>
+        <p:nvPr/>
+      </p:nvGrpSpPr>
+      <p:grpSpPr>
+        <a:xfrm>
+          <a:off x="0" y="0"/>
+          <a:ext cx="0" cy="0"/>
+          <a:chOff x="0" y="0"/>
+          <a:chExt cx="0" cy="0"/>
+        </a:xfrm>
+      </p:grpSpPr>
+      <p:sp>
+        <p:nvSpPr>
+          <p:cNvPr id="2" name="Title 1"/>
+          <p:cNvSpPr>
+            <a:spLocks noGrp="1"/>
+          </p:cNvSpPr>
+          <p:nvPr>
+            <p:ph type="title"/>
+          </p:nvPr>
+        </p:nvSpPr>
+        <p:spPr/>
+        <p:txBody>
+          <a:bodyPr/>
+          <a:lstStyle/>
+          <a:p>
+            <a:r>
+              <a:rPr lang="en-US" dirty="0" smtClean="0"/>
+              <a:t>Learn Web Programming</a:t>
+            </a:r>
+            <a:endParaRPr lang="en-US" dirty="0"/>
+          </a:p>
+        </p:txBody>
+      </p:sp>
+      <p:sp>
+        <p:nvSpPr>
+          <p:cNvPr id="3" name="Content Placeholder 2"/>
+          <p:cNvSpPr>
+            <a:spLocks noGrp="1"/>
+          </p:cNvSpPr>
+          <p:nvPr>
+            <p:ph idx="1"/>
+          </p:nvPr>
+        </p:nvSpPr>
+        <p:spPr/>
+        <p:txBody>
+          <a:bodyPr/>
+          <a:lstStyle/>
+          <a:p>
+            <a:r>
+              <a:rPr lang="en-US" dirty="0" smtClean="0"/>
+              <a:t>Now comes the fun part</a:t>
+            </a:r>
+          </a:p>
+          <a:p>
+            <a:r>
+              <a:rPr lang="en-US" dirty="0" smtClean="0"/>
+              <a:t>How? </a:t>
+            </a:r>
+          </a:p>
+        </p:txBody>
+      </p:sp>
+    </p:spTree>
+    <p:extLst>
+      <p:ext uri="{BB962C8B-B14F-4D97-AF65-F5344CB8AC3E}">
+        <p14:creationId xmlns:p14="http://schemas.microsoft.com/office/powerpoint/2010/main" val="414931448"/>
+      </p:ext>
+    </p:extLst>
+  </p:cSld>
+  <p:clrMapOvr>
+    <a:masterClrMapping/>
+  </p:clrMapOvr>
+</p:sld>
+</file>
+
+<file path=ppt/slides/slide14.xml><?xml version="1.0" encoding="utf-8"?>
+<p:sld xmlns:a="http://schemas.openxmlformats.org/drawingml/2006/main" xmlns:r="http://schemas.openxmlformats.org/officeDocument/2006/relationships" xmlns:p="http://schemas.openxmlformats.org/presentationml/2006/main">
+  <p:cSld>
+    <p:spTree>
+      <p:nvGrpSpPr>
+        <p:cNvPr id="1" name=""/>
+        <p:cNvGrpSpPr/>
+        <p:nvPr/>
+      </p:nvGrpSpPr>
+      <p:grpSpPr>
+        <a:xfrm>
+          <a:off x="0" y="0"/>
+          <a:ext cx="0" cy="0"/>
+          <a:chOff x="0" y="0"/>
+          <a:chExt cx="0" cy="0"/>
+        </a:xfrm>
+      </p:grpSpPr>
+      <p:sp>
+        <p:nvSpPr>
+          <p:cNvPr id="2" name="Title 1"/>
+          <p:cNvSpPr>
+            <a:spLocks noGrp="1"/>
+          </p:cNvSpPr>
+          <p:nvPr>
+            <p:ph type="title"/>
+          </p:nvPr>
+        </p:nvSpPr>
+        <p:spPr/>
+        <p:txBody>
+          <a:bodyPr/>
+          <a:lstStyle/>
+          <a:p>
+            <a:r>
+              <a:rPr lang="en-US" dirty="0" smtClean="0"/>
+              <a:t>Learn Web Programming</a:t>
+            </a:r>
+            <a:endParaRPr lang="en-US" dirty="0"/>
+          </a:p>
+        </p:txBody>
+      </p:sp>
+      <p:sp>
+        <p:nvSpPr>
+          <p:cNvPr id="3" name="Content Placeholder 2"/>
+          <p:cNvSpPr>
+            <a:spLocks noGrp="1"/>
+          </p:cNvSpPr>
+          <p:nvPr>
+            <p:ph idx="1"/>
+          </p:nvPr>
+        </p:nvSpPr>
+        <p:spPr/>
+        <p:txBody>
+          <a:bodyPr/>
+          <a:lstStyle/>
+          <a:p>
+            <a:r>
+              <a:rPr lang="en-US"/>
+              <a:t>First the basics</a:t>
+            </a:r>
+          </a:p>
+          <a:p>
+            <a:endParaRPr lang="en-US"/>
+          </a:p>
+        </p:txBody>
+      </p:sp>
+    </p:spTree>
+    <p:extLst>
+      <p:ext uri="{BB962C8B-B14F-4D97-AF65-F5344CB8AC3E}">
+        <p14:creationId xmlns:p14="http://schemas.microsoft.com/office/powerpoint/2010/main" val="1289168056"/>
+      </p:ext>
+    </p:extLst>
+  </p:cSld>
+  <p:clrMapOvr>
+    <a:masterClrMapping/>
+  </p:clrMapOvr>
+</p:sld>
+</file>
+
 <file path=ppt/slides/slide2.xml><?xml version="1.0" encoding="utf-8"?>
 <p:sld xmlns:a="http://schemas.openxmlformats.org/drawingml/2006/main" xmlns:r="http://schemas.openxmlformats.org/officeDocument/2006/relationships" xmlns:p="http://schemas.openxmlformats.org/presentationml/2006/main">
   <p:cSld>
@@ -8245,7 +8719,9 @@
         </p:nvSpPr>
         <p:spPr/>
         <p:txBody>
-          <a:bodyPr/>
+          <a:bodyPr>
+            <a:normAutofit lnSpcReduction="10000"/>
+          </a:bodyPr>
           <a:lstStyle/>
           <a:p>
             <a:r>
@@ -8262,8 +8738,19 @@
           <a:p>
             <a:r>
               <a:rPr lang="en-US" dirty="0" smtClean="0"/>
-              <a:t>Better ways of learning</a:t>
-            </a:r>
+              <a:t>Better ways of </a:t>
+            </a:r>
+            <a:r>
+              <a:rPr lang="en-US" dirty="0" smtClean="0"/>
+              <a:t>learning</a:t>
+            </a:r>
+          </a:p>
+          <a:p>
+            <a:r>
+              <a:rPr lang="en-US" dirty="0" smtClean="0"/>
+              <a:t>Worse ways of learning</a:t>
+            </a:r>
+            <a:endParaRPr lang="en-US" dirty="0" smtClean="0"/>
           </a:p>
           <a:p>
             <a:r>
@@ -8280,13 +8767,8 @@
           <a:p>
             <a:r>
               <a:rPr lang="en-US" dirty="0" smtClean="0"/>
-              <a:t>How to learn other </a:t>
-            </a:r>
-            <a:r>
-              <a:rPr lang="en-US" smtClean="0"/>
-              <a:t>difficult stuff</a:t>
-            </a:r>
-            <a:endParaRPr lang="en-US" dirty="0" smtClean="0"/>
+              <a:t>How to learn other difficult stuff</a:t>
+            </a:r>
           </a:p>
         </p:txBody>
       </p:sp>
@@ -8294,6 +8776,644 @@
     <p:extLst>
       <p:ext uri="{BB962C8B-B14F-4D97-AF65-F5344CB8AC3E}">
         <p14:creationId xmlns:p14="http://schemas.microsoft.com/office/powerpoint/2010/main" val="196346600"/>
+      </p:ext>
+    </p:extLst>
+  </p:cSld>
+  <p:clrMapOvr>
+    <a:masterClrMapping/>
+  </p:clrMapOvr>
+</p:sld>
+</file>
+
+<file path=ppt/slides/slide3.xml><?xml version="1.0" encoding="utf-8"?>
+<p:sld xmlns:a="http://schemas.openxmlformats.org/drawingml/2006/main" xmlns:r="http://schemas.openxmlformats.org/officeDocument/2006/relationships" xmlns:p="http://schemas.openxmlformats.org/presentationml/2006/main">
+  <p:cSld>
+    <p:spTree>
+      <p:nvGrpSpPr>
+        <p:cNvPr id="1" name=""/>
+        <p:cNvGrpSpPr/>
+        <p:nvPr/>
+      </p:nvGrpSpPr>
+      <p:grpSpPr>
+        <a:xfrm>
+          <a:off x="0" y="0"/>
+          <a:ext cx="0" cy="0"/>
+          <a:chOff x="0" y="0"/>
+          <a:chExt cx="0" cy="0"/>
+        </a:xfrm>
+      </p:grpSpPr>
+      <p:sp>
+        <p:nvSpPr>
+          <p:cNvPr id="2" name="Title 1"/>
+          <p:cNvSpPr>
+            <a:spLocks noGrp="1"/>
+          </p:cNvSpPr>
+          <p:nvPr>
+            <p:ph type="title"/>
+          </p:nvPr>
+        </p:nvSpPr>
+        <p:spPr/>
+        <p:txBody>
+          <a:bodyPr/>
+          <a:lstStyle/>
+          <a:p>
+            <a:r>
+              <a:rPr lang="en-US" dirty="0" smtClean="0"/>
+              <a:t>Learning</a:t>
+            </a:r>
+            <a:endParaRPr lang="en-US" dirty="0"/>
+          </a:p>
+        </p:txBody>
+      </p:sp>
+      <p:sp>
+        <p:nvSpPr>
+          <p:cNvPr id="3" name="Content Placeholder 2"/>
+          <p:cNvSpPr>
+            <a:spLocks noGrp="1"/>
+          </p:cNvSpPr>
+          <p:nvPr>
+            <p:ph idx="1"/>
+          </p:nvPr>
+        </p:nvSpPr>
+        <p:spPr/>
+        <p:txBody>
+          <a:bodyPr/>
+          <a:lstStyle/>
+          <a:p>
+            <a:r>
+              <a:rPr lang="en-US" dirty="0" smtClean="0"/>
+              <a:t>One of the toughest things to do </a:t>
+            </a:r>
+          </a:p>
+          <a:p>
+            <a:r>
+              <a:rPr lang="en-US" dirty="0" smtClean="0"/>
+              <a:t>Especially after a certain age</a:t>
+            </a:r>
+          </a:p>
+          <a:p>
+            <a:pPr lvl="1"/>
+            <a:r>
+              <a:rPr lang="en-US" dirty="0" smtClean="0"/>
+              <a:t>Why?</a:t>
+            </a:r>
+            <a:endParaRPr lang="en-US" dirty="0"/>
+          </a:p>
+        </p:txBody>
+      </p:sp>
+    </p:spTree>
+    <p:extLst>
+      <p:ext uri="{BB962C8B-B14F-4D97-AF65-F5344CB8AC3E}">
+        <p14:creationId xmlns:p14="http://schemas.microsoft.com/office/powerpoint/2010/main" val="861784301"/>
+      </p:ext>
+    </p:extLst>
+  </p:cSld>
+  <p:clrMapOvr>
+    <a:masterClrMapping/>
+  </p:clrMapOvr>
+</p:sld>
+</file>
+
+<file path=ppt/slides/slide4.xml><?xml version="1.0" encoding="utf-8"?>
+<p:sld xmlns:a="http://schemas.openxmlformats.org/drawingml/2006/main" xmlns:r="http://schemas.openxmlformats.org/officeDocument/2006/relationships" xmlns:p="http://schemas.openxmlformats.org/presentationml/2006/main">
+  <p:cSld>
+    <p:spTree>
+      <p:nvGrpSpPr>
+        <p:cNvPr id="1" name=""/>
+        <p:cNvGrpSpPr/>
+        <p:nvPr/>
+      </p:nvGrpSpPr>
+      <p:grpSpPr>
+        <a:xfrm>
+          <a:off x="0" y="0"/>
+          <a:ext cx="0" cy="0"/>
+          <a:chOff x="0" y="0"/>
+          <a:chExt cx="0" cy="0"/>
+        </a:xfrm>
+      </p:grpSpPr>
+      <p:sp>
+        <p:nvSpPr>
+          <p:cNvPr id="2" name="Title 1"/>
+          <p:cNvSpPr>
+            <a:spLocks noGrp="1"/>
+          </p:cNvSpPr>
+          <p:nvPr>
+            <p:ph type="title"/>
+          </p:nvPr>
+        </p:nvSpPr>
+        <p:spPr/>
+        <p:txBody>
+          <a:bodyPr/>
+          <a:lstStyle/>
+          <a:p>
+            <a:r>
+              <a:rPr lang="en-US" dirty="0" smtClean="0"/>
+              <a:t>Learning</a:t>
+            </a:r>
+            <a:endParaRPr lang="en-US" dirty="0"/>
+          </a:p>
+        </p:txBody>
+      </p:sp>
+      <p:sp>
+        <p:nvSpPr>
+          <p:cNvPr id="3" name="Content Placeholder 2"/>
+          <p:cNvSpPr>
+            <a:spLocks noGrp="1"/>
+          </p:cNvSpPr>
+          <p:nvPr>
+            <p:ph idx="1"/>
+          </p:nvPr>
+        </p:nvSpPr>
+        <p:spPr/>
+        <p:txBody>
+          <a:bodyPr/>
+          <a:lstStyle/>
+          <a:p>
+            <a:r>
+              <a:rPr lang="en-US" dirty="0" smtClean="0"/>
+              <a:t>How we used to learn stuff</a:t>
+            </a:r>
+          </a:p>
+          <a:p>
+            <a:pPr lvl="1"/>
+            <a:r>
+              <a:rPr lang="en-US" dirty="0" smtClean="0"/>
+              <a:t>When in high school</a:t>
+            </a:r>
+          </a:p>
+          <a:p>
+            <a:pPr lvl="1"/>
+            <a:r>
+              <a:rPr lang="en-US" dirty="0" smtClean="0"/>
+              <a:t>When in university</a:t>
+            </a:r>
+          </a:p>
+          <a:p>
+            <a:pPr lvl="1"/>
+            <a:r>
+              <a:rPr lang="en-US" dirty="0" smtClean="0"/>
+              <a:t>When preparing for university entrance exam</a:t>
+            </a:r>
+            <a:endParaRPr lang="en-US" dirty="0"/>
+          </a:p>
+        </p:txBody>
+      </p:sp>
+    </p:spTree>
+    <p:extLst>
+      <p:ext uri="{BB962C8B-B14F-4D97-AF65-F5344CB8AC3E}">
+        <p14:creationId xmlns:p14="http://schemas.microsoft.com/office/powerpoint/2010/main" val="1100159192"/>
+      </p:ext>
+    </p:extLst>
+  </p:cSld>
+  <p:clrMapOvr>
+    <a:masterClrMapping/>
+  </p:clrMapOvr>
+</p:sld>
+</file>
+
+<file path=ppt/slides/slide5.xml><?xml version="1.0" encoding="utf-8"?>
+<p:sld xmlns:a="http://schemas.openxmlformats.org/drawingml/2006/main" xmlns:r="http://schemas.openxmlformats.org/officeDocument/2006/relationships" xmlns:p="http://schemas.openxmlformats.org/presentationml/2006/main">
+  <p:cSld>
+    <p:spTree>
+      <p:nvGrpSpPr>
+        <p:cNvPr id="1" name=""/>
+        <p:cNvGrpSpPr/>
+        <p:nvPr/>
+      </p:nvGrpSpPr>
+      <p:grpSpPr>
+        <a:xfrm>
+          <a:off x="0" y="0"/>
+          <a:ext cx="0" cy="0"/>
+          <a:chOff x="0" y="0"/>
+          <a:chExt cx="0" cy="0"/>
+        </a:xfrm>
+      </p:grpSpPr>
+      <p:sp>
+        <p:nvSpPr>
+          <p:cNvPr id="2" name="Title 1"/>
+          <p:cNvSpPr>
+            <a:spLocks noGrp="1"/>
+          </p:cNvSpPr>
+          <p:nvPr>
+            <p:ph type="title"/>
+          </p:nvPr>
+        </p:nvSpPr>
+        <p:spPr/>
+        <p:txBody>
+          <a:bodyPr/>
+          <a:lstStyle/>
+          <a:p>
+            <a:r>
+              <a:rPr lang="en-US" dirty="0" smtClean="0"/>
+              <a:t>Learning</a:t>
+            </a:r>
+            <a:endParaRPr lang="en-US" dirty="0"/>
+          </a:p>
+        </p:txBody>
+      </p:sp>
+      <p:sp>
+        <p:nvSpPr>
+          <p:cNvPr id="3" name="Content Placeholder 2"/>
+          <p:cNvSpPr>
+            <a:spLocks noGrp="1"/>
+          </p:cNvSpPr>
+          <p:nvPr>
+            <p:ph idx="1"/>
+          </p:nvPr>
+        </p:nvSpPr>
+        <p:spPr/>
+        <p:txBody>
+          <a:bodyPr/>
+          <a:lstStyle/>
+          <a:p>
+            <a:r>
+              <a:rPr lang="en-US" dirty="0" smtClean="0"/>
+              <a:t>Can you spot one main difference between</a:t>
+            </a:r>
+          </a:p>
+          <a:p>
+            <a:pPr lvl="1"/>
+            <a:r>
+              <a:rPr lang="en-US" dirty="0" smtClean="0"/>
+              <a:t>Preparing for university entrance exam </a:t>
+            </a:r>
+          </a:p>
+          <a:p>
+            <a:pPr lvl="1"/>
+            <a:r>
+              <a:rPr lang="en-US" dirty="0" smtClean="0"/>
+              <a:t>Preparing for university midterm </a:t>
+            </a:r>
+          </a:p>
+        </p:txBody>
+      </p:sp>
+    </p:spTree>
+    <p:extLst>
+      <p:ext uri="{BB962C8B-B14F-4D97-AF65-F5344CB8AC3E}">
+        <p14:creationId xmlns:p14="http://schemas.microsoft.com/office/powerpoint/2010/main" val="244822946"/>
+      </p:ext>
+    </p:extLst>
+  </p:cSld>
+  <p:clrMapOvr>
+    <a:masterClrMapping/>
+  </p:clrMapOvr>
+</p:sld>
+</file>
+
+<file path=ppt/slides/slide6.xml><?xml version="1.0" encoding="utf-8"?>
+<p:sld xmlns:a="http://schemas.openxmlformats.org/drawingml/2006/main" xmlns:r="http://schemas.openxmlformats.org/officeDocument/2006/relationships" xmlns:p="http://schemas.openxmlformats.org/presentationml/2006/main">
+  <p:cSld>
+    <p:spTree>
+      <p:nvGrpSpPr>
+        <p:cNvPr id="1" name=""/>
+        <p:cNvGrpSpPr/>
+        <p:nvPr/>
+      </p:nvGrpSpPr>
+      <p:grpSpPr>
+        <a:xfrm>
+          <a:off x="0" y="0"/>
+          <a:ext cx="0" cy="0"/>
+          <a:chOff x="0" y="0"/>
+          <a:chExt cx="0" cy="0"/>
+        </a:xfrm>
+      </p:grpSpPr>
+      <p:sp>
+        <p:nvSpPr>
+          <p:cNvPr id="2" name="Title 1"/>
+          <p:cNvSpPr>
+            <a:spLocks noGrp="1"/>
+          </p:cNvSpPr>
+          <p:nvPr>
+            <p:ph type="title"/>
+          </p:nvPr>
+        </p:nvSpPr>
+        <p:spPr/>
+        <p:txBody>
+          <a:bodyPr/>
+          <a:lstStyle/>
+          <a:p>
+            <a:r>
+              <a:rPr lang="en-US" dirty="0" smtClean="0"/>
+              <a:t>Learning </a:t>
+            </a:r>
+            <a:endParaRPr lang="en-US" dirty="0"/>
+          </a:p>
+        </p:txBody>
+      </p:sp>
+      <p:sp>
+        <p:nvSpPr>
+          <p:cNvPr id="3" name="Content Placeholder 2"/>
+          <p:cNvSpPr>
+            <a:spLocks noGrp="1"/>
+          </p:cNvSpPr>
+          <p:nvPr>
+            <p:ph idx="1"/>
+          </p:nvPr>
+        </p:nvSpPr>
+        <p:spPr/>
+        <p:txBody>
+          <a:bodyPr/>
+          <a:lstStyle/>
+          <a:p>
+            <a:r>
+              <a:rPr lang="en-US" dirty="0" smtClean="0"/>
+              <a:t>Another question</a:t>
+            </a:r>
+          </a:p>
+          <a:p>
+            <a:r>
+              <a:rPr lang="en-US" dirty="0" smtClean="0"/>
+              <a:t>Now, how do you learn new stuff? </a:t>
+            </a:r>
+          </a:p>
+          <a:p>
+            <a:pPr lvl="1"/>
+            <a:r>
+              <a:rPr lang="en-US" dirty="0" err="1" smtClean="0"/>
+              <a:t>Googling</a:t>
+            </a:r>
+            <a:r>
+              <a:rPr lang="en-US" dirty="0" smtClean="0"/>
+              <a:t>? </a:t>
+            </a:r>
+          </a:p>
+          <a:p>
+            <a:pPr lvl="1"/>
+            <a:r>
+              <a:rPr lang="en-US" dirty="0" smtClean="0"/>
+              <a:t>Read documentation? </a:t>
+            </a:r>
+            <a:endParaRPr lang="en-US" dirty="0"/>
+          </a:p>
+          <a:p>
+            <a:pPr lvl="1"/>
+            <a:r>
+              <a:rPr lang="en-US" dirty="0" smtClean="0"/>
+              <a:t>Tutorials?</a:t>
+            </a:r>
+          </a:p>
+          <a:p>
+            <a:pPr lvl="1"/>
+            <a:r>
+              <a:rPr lang="en-US" dirty="0" smtClean="0"/>
+              <a:t>Online courses?</a:t>
+            </a:r>
+          </a:p>
+        </p:txBody>
+      </p:sp>
+    </p:spTree>
+    <p:extLst>
+      <p:ext uri="{BB962C8B-B14F-4D97-AF65-F5344CB8AC3E}">
+        <p14:creationId xmlns:p14="http://schemas.microsoft.com/office/powerpoint/2010/main" val="1435631758"/>
+      </p:ext>
+    </p:extLst>
+  </p:cSld>
+  <p:clrMapOvr>
+    <a:masterClrMapping/>
+  </p:clrMapOvr>
+</p:sld>
+</file>
+
+<file path=ppt/slides/slide7.xml><?xml version="1.0" encoding="utf-8"?>
+<p:sld xmlns:a="http://schemas.openxmlformats.org/drawingml/2006/main" xmlns:r="http://schemas.openxmlformats.org/officeDocument/2006/relationships" xmlns:p="http://schemas.openxmlformats.org/presentationml/2006/main">
+  <p:cSld>
+    <p:spTree>
+      <p:nvGrpSpPr>
+        <p:cNvPr id="1" name=""/>
+        <p:cNvGrpSpPr/>
+        <p:nvPr/>
+      </p:nvGrpSpPr>
+      <p:grpSpPr>
+        <a:xfrm>
+          <a:off x="0" y="0"/>
+          <a:ext cx="0" cy="0"/>
+          <a:chOff x="0" y="0"/>
+          <a:chExt cx="0" cy="0"/>
+        </a:xfrm>
+      </p:grpSpPr>
+      <p:sp>
+        <p:nvSpPr>
+          <p:cNvPr id="2" name="Title 1"/>
+          <p:cNvSpPr>
+            <a:spLocks noGrp="1"/>
+          </p:cNvSpPr>
+          <p:nvPr>
+            <p:ph type="title"/>
+          </p:nvPr>
+        </p:nvSpPr>
+        <p:spPr/>
+        <p:txBody>
+          <a:bodyPr/>
+          <a:lstStyle/>
+          <a:p>
+            <a:r>
+              <a:rPr lang="en-US" dirty="0" smtClean="0"/>
+              <a:t>Learning</a:t>
+            </a:r>
+            <a:endParaRPr lang="en-US" dirty="0"/>
+          </a:p>
+        </p:txBody>
+      </p:sp>
+      <p:sp>
+        <p:nvSpPr>
+          <p:cNvPr id="3" name="Content Placeholder 2"/>
+          <p:cNvSpPr>
+            <a:spLocks noGrp="1"/>
+          </p:cNvSpPr>
+          <p:nvPr>
+            <p:ph idx="1"/>
+          </p:nvPr>
+        </p:nvSpPr>
+        <p:spPr/>
+        <p:txBody>
+          <a:bodyPr/>
+          <a:lstStyle/>
+          <a:p>
+            <a:r>
+              <a:rPr lang="en-US" dirty="0" smtClean="0"/>
+              <a:t>Which one brings the most benefit?</a:t>
+            </a:r>
+          </a:p>
+          <a:p>
+            <a:pPr lvl="1"/>
+            <a:r>
+              <a:rPr lang="en-US" dirty="0" smtClean="0"/>
+              <a:t>Why?</a:t>
+            </a:r>
+            <a:endParaRPr lang="en-US" dirty="0"/>
+          </a:p>
+        </p:txBody>
+      </p:sp>
+    </p:spTree>
+    <p:extLst>
+      <p:ext uri="{BB962C8B-B14F-4D97-AF65-F5344CB8AC3E}">
+        <p14:creationId xmlns:p14="http://schemas.microsoft.com/office/powerpoint/2010/main" val="4116792507"/>
+      </p:ext>
+    </p:extLst>
+  </p:cSld>
+  <p:clrMapOvr>
+    <a:masterClrMapping/>
+  </p:clrMapOvr>
+</p:sld>
+</file>
+
+<file path=ppt/slides/slide8.xml><?xml version="1.0" encoding="utf-8"?>
+<p:sld xmlns:a="http://schemas.openxmlformats.org/drawingml/2006/main" xmlns:r="http://schemas.openxmlformats.org/officeDocument/2006/relationships" xmlns:p="http://schemas.openxmlformats.org/presentationml/2006/main">
+  <p:cSld>
+    <p:spTree>
+      <p:nvGrpSpPr>
+        <p:cNvPr id="1" name=""/>
+        <p:cNvGrpSpPr/>
+        <p:nvPr/>
+      </p:nvGrpSpPr>
+      <p:grpSpPr>
+        <a:xfrm>
+          <a:off x="0" y="0"/>
+          <a:ext cx="0" cy="0"/>
+          <a:chOff x="0" y="0"/>
+          <a:chExt cx="0" cy="0"/>
+        </a:xfrm>
+      </p:grpSpPr>
+      <p:sp>
+        <p:nvSpPr>
+          <p:cNvPr id="2" name="Title 1"/>
+          <p:cNvSpPr>
+            <a:spLocks noGrp="1"/>
+          </p:cNvSpPr>
+          <p:nvPr>
+            <p:ph type="title"/>
+          </p:nvPr>
+        </p:nvSpPr>
+        <p:spPr/>
+        <p:txBody>
+          <a:bodyPr/>
+          <a:lstStyle/>
+          <a:p>
+            <a:r>
+              <a:rPr lang="en-US" dirty="0" smtClean="0"/>
+              <a:t>Better Ways</a:t>
+            </a:r>
+            <a:endParaRPr lang="en-US" dirty="0"/>
+          </a:p>
+        </p:txBody>
+      </p:sp>
+      <p:sp>
+        <p:nvSpPr>
+          <p:cNvPr id="3" name="Content Placeholder 2"/>
+          <p:cNvSpPr>
+            <a:spLocks noGrp="1"/>
+          </p:cNvSpPr>
+          <p:nvPr>
+            <p:ph idx="1"/>
+          </p:nvPr>
+        </p:nvSpPr>
+        <p:spPr/>
+        <p:txBody>
+          <a:bodyPr/>
+          <a:lstStyle/>
+          <a:p>
+            <a:r>
+              <a:rPr lang="en-US" dirty="0" smtClean="0"/>
+              <a:t>So you think, there must be a better way? </a:t>
+            </a:r>
+          </a:p>
+          <a:p>
+            <a:pPr lvl="1"/>
+            <a:r>
+              <a:rPr lang="en-US" dirty="0" smtClean="0"/>
+              <a:t>(or there used to be a better way?)</a:t>
+            </a:r>
+            <a:endParaRPr lang="en-US" dirty="0"/>
+          </a:p>
+        </p:txBody>
+      </p:sp>
+    </p:spTree>
+    <p:extLst>
+      <p:ext uri="{BB962C8B-B14F-4D97-AF65-F5344CB8AC3E}">
+        <p14:creationId xmlns:p14="http://schemas.microsoft.com/office/powerpoint/2010/main" val="3546493968"/>
+      </p:ext>
+    </p:extLst>
+  </p:cSld>
+  <p:clrMapOvr>
+    <a:masterClrMapping/>
+  </p:clrMapOvr>
+</p:sld>
+</file>
+
+<file path=ppt/slides/slide9.xml><?xml version="1.0" encoding="utf-8"?>
+<p:sld xmlns:a="http://schemas.openxmlformats.org/drawingml/2006/main" xmlns:r="http://schemas.openxmlformats.org/officeDocument/2006/relationships" xmlns:p="http://schemas.openxmlformats.org/presentationml/2006/main">
+  <p:cSld>
+    <p:spTree>
+      <p:nvGrpSpPr>
+        <p:cNvPr id="1" name=""/>
+        <p:cNvGrpSpPr/>
+        <p:nvPr/>
+      </p:nvGrpSpPr>
+      <p:grpSpPr>
+        <a:xfrm>
+          <a:off x="0" y="0"/>
+          <a:ext cx="0" cy="0"/>
+          <a:chOff x="0" y="0"/>
+          <a:chExt cx="0" cy="0"/>
+        </a:xfrm>
+      </p:grpSpPr>
+      <p:sp>
+        <p:nvSpPr>
+          <p:cNvPr id="2" name="Title 1"/>
+          <p:cNvSpPr>
+            <a:spLocks noGrp="1"/>
+          </p:cNvSpPr>
+          <p:nvPr>
+            <p:ph type="title"/>
+          </p:nvPr>
+        </p:nvSpPr>
+        <p:spPr/>
+        <p:txBody>
+          <a:bodyPr/>
+          <a:lstStyle/>
+          <a:p>
+            <a:r>
+              <a:rPr lang="en-US" dirty="0" smtClean="0"/>
+              <a:t>Better Ways</a:t>
+            </a:r>
+            <a:endParaRPr lang="en-US" dirty="0"/>
+          </a:p>
+        </p:txBody>
+      </p:sp>
+      <p:sp>
+        <p:nvSpPr>
+          <p:cNvPr id="3" name="Content Placeholder 2"/>
+          <p:cNvSpPr>
+            <a:spLocks noGrp="1"/>
+          </p:cNvSpPr>
+          <p:nvPr>
+            <p:ph idx="1"/>
+          </p:nvPr>
+        </p:nvSpPr>
+        <p:spPr/>
+        <p:txBody>
+          <a:bodyPr/>
+          <a:lstStyle/>
+          <a:p>
+            <a:r>
+              <a:rPr lang="en-US" dirty="0" smtClean="0"/>
+              <a:t>The reason you get better from university entrance exam is</a:t>
+            </a:r>
+          </a:p>
+          <a:p>
+            <a:pPr lvl="1"/>
+            <a:r>
+              <a:rPr lang="en-US" dirty="0" smtClean="0"/>
+              <a:t>Repetitive practice (at least for me)</a:t>
+            </a:r>
+            <a:endParaRPr lang="en-US" dirty="0"/>
+          </a:p>
+        </p:txBody>
+      </p:sp>
+    </p:spTree>
+    <p:extLst>
+      <p:ext uri="{BB962C8B-B14F-4D97-AF65-F5344CB8AC3E}">
+        <p14:creationId xmlns:p14="http://schemas.microsoft.com/office/powerpoint/2010/main" val="1383558206"/>
       </p:ext>
     </p:extLst>
   </p:cSld>

--- a/learn.pptx
+++ b/learn.pptx
@@ -19,6 +19,11 @@
     <p:sldId id="267" r:id="rId13"/>
     <p:sldId id="268" r:id="rId14"/>
     <p:sldId id="269" r:id="rId15"/>
+    <p:sldId id="270" r:id="rId16"/>
+    <p:sldId id="271" r:id="rId17"/>
+    <p:sldId id="272" r:id="rId18"/>
+    <p:sldId id="273" r:id="rId19"/>
+    <p:sldId id="274" r:id="rId20"/>
   </p:sldIdLst>
   <p:sldSz cx="9144000" cy="6858000" type="screen4x3"/>
   <p:notesSz cx="6858000" cy="9144000"/>
@@ -8268,6 +8273,17 @@
           <a:p>
             <a:pPr lvl="1"/>
             <a:r>
+              <a:rPr lang="en-US" dirty="0"/>
+              <a:t>Diffused and focused modes of </a:t>
+            </a:r>
+            <a:r>
+              <a:rPr lang="en-US" dirty="0" smtClean="0"/>
+              <a:t>thinking</a:t>
+            </a:r>
+          </a:p>
+          <a:p>
+            <a:pPr lvl="1"/>
+            <a:r>
               <a:rPr lang="en-US" dirty="0" smtClean="0"/>
               <a:t>Repetitive practice</a:t>
             </a:r>
@@ -8297,16 +8313,8 @@
             <a:pPr lvl="1"/>
             <a:r>
               <a:rPr lang="en-US" dirty="0" smtClean="0"/>
-              <a:t>Know your memory </a:t>
-            </a:r>
-          </a:p>
-          <a:p>
-            <a:pPr lvl="1"/>
-            <a:r>
-              <a:rPr lang="en-US" dirty="0" smtClean="0"/>
-              <a:t>Diffused and focused modes of thinking</a:t>
-            </a:r>
-            <a:endParaRPr lang="en-US" dirty="0"/>
+              <a:t>Know your memory</a:t>
+            </a:r>
           </a:p>
         </p:txBody>
       </p:sp>
@@ -8403,6 +8411,27 @@
               <a:rPr lang="en-US" dirty="0" smtClean="0"/>
               <a:t>Sleep over it</a:t>
             </a:r>
+          </a:p>
+          <a:p>
+            <a:pPr lvl="1"/>
+            <a:r>
+              <a:rPr lang="en-US" dirty="0" smtClean="0"/>
+              <a:t>Imposter Syndrome</a:t>
+            </a:r>
+          </a:p>
+          <a:p>
+            <a:pPr lvl="1"/>
+            <a:r>
+              <a:rPr lang="en-US" dirty="0" smtClean="0"/>
+              <a:t>Changing how you think</a:t>
+            </a:r>
+          </a:p>
+          <a:p>
+            <a:pPr lvl="1"/>
+            <a:r>
+              <a:rPr lang="en-US" dirty="0" smtClean="0"/>
+              <a:t>Create a metaphor for it </a:t>
+            </a:r>
             <a:endParaRPr lang="en-US" dirty="0"/>
           </a:p>
         </p:txBody>
@@ -8645,12 +8674,57 @@
           <a:lstStyle/>
           <a:p>
             <a:r>
-              <a:rPr lang="en-US"/>
-              <a:t>First the basics</a:t>
-            </a:r>
-          </a:p>
-          <a:p>
-            <a:endParaRPr lang="en-US"/>
+              <a:rPr lang="en-US" dirty="0"/>
+              <a:t>First the </a:t>
+            </a:r>
+            <a:r>
+              <a:rPr lang="en-US" dirty="0" smtClean="0"/>
+              <a:t>basics</a:t>
+            </a:r>
+          </a:p>
+          <a:p>
+            <a:pPr lvl="1"/>
+            <a:r>
+              <a:rPr lang="en-US" dirty="0" smtClean="0"/>
+              <a:t>HTTP</a:t>
+            </a:r>
+          </a:p>
+          <a:p>
+            <a:pPr lvl="1"/>
+            <a:r>
+              <a:rPr lang="en-US" dirty="0" smtClean="0"/>
+              <a:t>HTML</a:t>
+            </a:r>
+          </a:p>
+          <a:p>
+            <a:pPr lvl="1"/>
+            <a:r>
+              <a:rPr lang="en-US" dirty="0" smtClean="0"/>
+              <a:t>CSS </a:t>
+            </a:r>
+          </a:p>
+          <a:p>
+            <a:pPr lvl="1"/>
+            <a:r>
+              <a:rPr lang="en-US" dirty="0" err="1" smtClean="0"/>
+              <a:t>Javascript</a:t>
+            </a:r>
+            <a:endParaRPr lang="en-US" dirty="0" smtClean="0"/>
+          </a:p>
+          <a:p>
+            <a:pPr marL="457200" lvl="1" indent="0">
+              <a:buNone/>
+            </a:pPr>
+            <a:endParaRPr lang="en-US" dirty="0" smtClean="0"/>
+          </a:p>
+          <a:p>
+            <a:pPr marL="457200" lvl="1" indent="0">
+              <a:buNone/>
+            </a:pPr>
+            <a:endParaRPr lang="en-US" dirty="0"/>
+          </a:p>
+          <a:p>
+            <a:endParaRPr lang="en-US" dirty="0"/>
           </a:p>
         </p:txBody>
       </p:sp>
@@ -8658,6 +8732,578 @@
     <p:extLst>
       <p:ext uri="{BB962C8B-B14F-4D97-AF65-F5344CB8AC3E}">
         <p14:creationId xmlns:p14="http://schemas.microsoft.com/office/powerpoint/2010/main" val="1289168056"/>
+      </p:ext>
+    </p:extLst>
+  </p:cSld>
+  <p:clrMapOvr>
+    <a:masterClrMapping/>
+  </p:clrMapOvr>
+</p:sld>
+</file>
+
+<file path=ppt/slides/slide15.xml><?xml version="1.0" encoding="utf-8"?>
+<p:sld xmlns:a="http://schemas.openxmlformats.org/drawingml/2006/main" xmlns:r="http://schemas.openxmlformats.org/officeDocument/2006/relationships" xmlns:p="http://schemas.openxmlformats.org/presentationml/2006/main">
+  <p:cSld>
+    <p:spTree>
+      <p:nvGrpSpPr>
+        <p:cNvPr id="1" name=""/>
+        <p:cNvGrpSpPr/>
+        <p:nvPr/>
+      </p:nvGrpSpPr>
+      <p:grpSpPr>
+        <a:xfrm>
+          <a:off x="0" y="0"/>
+          <a:ext cx="0" cy="0"/>
+          <a:chOff x="0" y="0"/>
+          <a:chExt cx="0" cy="0"/>
+        </a:xfrm>
+      </p:grpSpPr>
+      <p:sp>
+        <p:nvSpPr>
+          <p:cNvPr id="2" name="Title 1"/>
+          <p:cNvSpPr>
+            <a:spLocks noGrp="1"/>
+          </p:cNvSpPr>
+          <p:nvPr>
+            <p:ph type="title"/>
+          </p:nvPr>
+        </p:nvSpPr>
+        <p:spPr/>
+        <p:txBody>
+          <a:bodyPr/>
+          <a:lstStyle/>
+          <a:p>
+            <a:r>
+              <a:rPr lang="en-US" dirty="0"/>
+              <a:t>Learn Web Programming</a:t>
+            </a:r>
+          </a:p>
+        </p:txBody>
+      </p:sp>
+      <p:sp>
+        <p:nvSpPr>
+          <p:cNvPr id="3" name="Content Placeholder 2"/>
+          <p:cNvSpPr>
+            <a:spLocks noGrp="1"/>
+          </p:cNvSpPr>
+          <p:nvPr>
+            <p:ph idx="1"/>
+          </p:nvPr>
+        </p:nvSpPr>
+        <p:spPr/>
+        <p:txBody>
+          <a:bodyPr/>
+          <a:lstStyle/>
+          <a:p>
+            <a:r>
+              <a:rPr lang="en-US" dirty="0" smtClean="0"/>
+              <a:t>Play around with these concepts</a:t>
+            </a:r>
+          </a:p>
+          <a:p>
+            <a:r>
+              <a:rPr lang="en-US" dirty="0" smtClean="0"/>
+              <a:t>Write simple browser apps without server</a:t>
+            </a:r>
+          </a:p>
+          <a:p>
+            <a:r>
+              <a:rPr lang="en-US" dirty="0" smtClean="0"/>
+              <a:t>Slowly research into server technologies </a:t>
+            </a:r>
+          </a:p>
+          <a:p>
+            <a:pPr lvl="1"/>
+            <a:r>
+              <a:rPr lang="en-US" dirty="0" smtClean="0"/>
+              <a:t>It helps if you select one with a language you already know</a:t>
+            </a:r>
+          </a:p>
+          <a:p>
+            <a:endParaRPr lang="en-US" dirty="0"/>
+          </a:p>
+        </p:txBody>
+      </p:sp>
+    </p:spTree>
+    <p:extLst>
+      <p:ext uri="{BB962C8B-B14F-4D97-AF65-F5344CB8AC3E}">
+        <p14:creationId xmlns:p14="http://schemas.microsoft.com/office/powerpoint/2010/main" val="423853414"/>
+      </p:ext>
+    </p:extLst>
+  </p:cSld>
+  <p:clrMapOvr>
+    <a:masterClrMapping/>
+  </p:clrMapOvr>
+</p:sld>
+</file>
+
+<file path=ppt/slides/slide16.xml><?xml version="1.0" encoding="utf-8"?>
+<p:sld xmlns:a="http://schemas.openxmlformats.org/drawingml/2006/main" xmlns:r="http://schemas.openxmlformats.org/officeDocument/2006/relationships" xmlns:p="http://schemas.openxmlformats.org/presentationml/2006/main">
+  <p:cSld>
+    <p:spTree>
+      <p:nvGrpSpPr>
+        <p:cNvPr id="1" name=""/>
+        <p:cNvGrpSpPr/>
+        <p:nvPr/>
+      </p:nvGrpSpPr>
+      <p:grpSpPr>
+        <a:xfrm>
+          <a:off x="0" y="0"/>
+          <a:ext cx="0" cy="0"/>
+          <a:chOff x="0" y="0"/>
+          <a:chExt cx="0" cy="0"/>
+        </a:xfrm>
+      </p:grpSpPr>
+      <p:sp>
+        <p:nvSpPr>
+          <p:cNvPr id="2" name="Title 1"/>
+          <p:cNvSpPr>
+            <a:spLocks noGrp="1"/>
+          </p:cNvSpPr>
+          <p:nvPr>
+            <p:ph type="title"/>
+          </p:nvPr>
+        </p:nvSpPr>
+        <p:spPr/>
+        <p:txBody>
+          <a:bodyPr/>
+          <a:lstStyle/>
+          <a:p>
+            <a:r>
+              <a:rPr lang="en-US" dirty="0"/>
+              <a:t>Learn Web Programming</a:t>
+            </a:r>
+          </a:p>
+        </p:txBody>
+      </p:sp>
+      <p:sp>
+        <p:nvSpPr>
+          <p:cNvPr id="3" name="Content Placeholder 2"/>
+          <p:cNvSpPr>
+            <a:spLocks noGrp="1"/>
+          </p:cNvSpPr>
+          <p:nvPr>
+            <p:ph idx="1"/>
+          </p:nvPr>
+        </p:nvSpPr>
+        <p:spPr/>
+        <p:txBody>
+          <a:bodyPr/>
+          <a:lstStyle/>
+          <a:p>
+            <a:r>
+              <a:rPr lang="en-US" dirty="0" smtClean="0"/>
+              <a:t>Now select server technology </a:t>
+            </a:r>
+          </a:p>
+          <a:p>
+            <a:r>
+              <a:rPr lang="en-US" dirty="0" smtClean="0"/>
+              <a:t>Ask about it to your peers, mentors, leaders</a:t>
+            </a:r>
+          </a:p>
+          <a:p>
+            <a:r>
+              <a:rPr lang="en-US" dirty="0" smtClean="0"/>
+              <a:t>Study it and practice with it </a:t>
+            </a:r>
+          </a:p>
+          <a:p>
+            <a:pPr lvl="1"/>
+            <a:r>
+              <a:rPr lang="en-US" dirty="0" smtClean="0"/>
+              <a:t>Think of a hobby project you would like to do </a:t>
+            </a:r>
+          </a:p>
+          <a:p>
+            <a:pPr lvl="1"/>
+            <a:r>
+              <a:rPr lang="en-US" dirty="0" smtClean="0"/>
+              <a:t>Start simple, but keep thinking as you go</a:t>
+            </a:r>
+          </a:p>
+          <a:p>
+            <a:pPr lvl="1"/>
+            <a:r>
+              <a:rPr lang="en-US" dirty="0" smtClean="0"/>
+              <a:t>Then come and tell me what you understood </a:t>
+            </a:r>
+            <a:r>
+              <a:rPr lang="en-US" smtClean="0"/>
+              <a:t>from it</a:t>
+            </a:r>
+            <a:endParaRPr lang="en-US" dirty="0" smtClean="0"/>
+          </a:p>
+          <a:p>
+            <a:pPr lvl="1"/>
+            <a:endParaRPr lang="en-US" dirty="0" smtClean="0"/>
+          </a:p>
+          <a:p>
+            <a:pPr marL="457200" lvl="1" indent="0">
+              <a:buNone/>
+            </a:pPr>
+            <a:endParaRPr lang="en-US" dirty="0" smtClean="0"/>
+          </a:p>
+          <a:p>
+            <a:pPr lvl="1"/>
+            <a:endParaRPr lang="en-US" dirty="0"/>
+          </a:p>
+        </p:txBody>
+      </p:sp>
+    </p:spTree>
+    <p:extLst>
+      <p:ext uri="{BB962C8B-B14F-4D97-AF65-F5344CB8AC3E}">
+        <p14:creationId xmlns:p14="http://schemas.microsoft.com/office/powerpoint/2010/main" val="3975205862"/>
+      </p:ext>
+    </p:extLst>
+  </p:cSld>
+  <p:clrMapOvr>
+    <a:masterClrMapping/>
+  </p:clrMapOvr>
+</p:sld>
+</file>
+
+<file path=ppt/slides/slide17.xml><?xml version="1.0" encoding="utf-8"?>
+<p:sld xmlns:a="http://schemas.openxmlformats.org/drawingml/2006/main" xmlns:r="http://schemas.openxmlformats.org/officeDocument/2006/relationships" xmlns:p="http://schemas.openxmlformats.org/presentationml/2006/main">
+  <p:cSld>
+    <p:spTree>
+      <p:nvGrpSpPr>
+        <p:cNvPr id="1" name=""/>
+        <p:cNvGrpSpPr/>
+        <p:nvPr/>
+      </p:nvGrpSpPr>
+      <p:grpSpPr>
+        <a:xfrm>
+          <a:off x="0" y="0"/>
+          <a:ext cx="0" cy="0"/>
+          <a:chOff x="0" y="0"/>
+          <a:chExt cx="0" cy="0"/>
+        </a:xfrm>
+      </p:grpSpPr>
+      <p:sp>
+        <p:nvSpPr>
+          <p:cNvPr id="2" name="Title 1"/>
+          <p:cNvSpPr>
+            <a:spLocks noGrp="1"/>
+          </p:cNvSpPr>
+          <p:nvPr>
+            <p:ph type="title"/>
+          </p:nvPr>
+        </p:nvSpPr>
+        <p:spPr/>
+        <p:txBody>
+          <a:bodyPr/>
+          <a:lstStyle/>
+          <a:p>
+            <a:r>
+              <a:rPr lang="en-US" dirty="0"/>
+              <a:t>Functional Programming</a:t>
+            </a:r>
+          </a:p>
+        </p:txBody>
+      </p:sp>
+      <p:sp>
+        <p:nvSpPr>
+          <p:cNvPr id="3" name="Content Placeholder 2"/>
+          <p:cNvSpPr>
+            <a:spLocks noGrp="1"/>
+          </p:cNvSpPr>
+          <p:nvPr>
+            <p:ph idx="1"/>
+          </p:nvPr>
+        </p:nvSpPr>
+        <p:spPr/>
+        <p:txBody>
+          <a:bodyPr/>
+          <a:lstStyle/>
+          <a:p>
+            <a:r>
+              <a:rPr lang="en-US" dirty="0" smtClean="0"/>
+              <a:t>Harder than web programming</a:t>
+            </a:r>
+          </a:p>
+          <a:p>
+            <a:pPr lvl="1"/>
+            <a:r>
+              <a:rPr lang="en-US" dirty="0" smtClean="0"/>
+              <a:t>If </a:t>
+            </a:r>
+          </a:p>
+          <a:p>
+            <a:pPr lvl="2"/>
+            <a:r>
+              <a:rPr lang="en-US" dirty="0" smtClean="0"/>
+              <a:t>You were not exposed to it before</a:t>
+            </a:r>
+          </a:p>
+          <a:p>
+            <a:pPr lvl="2"/>
+            <a:r>
+              <a:rPr lang="en-US" dirty="0" smtClean="0"/>
+              <a:t>Why?</a:t>
+            </a:r>
+          </a:p>
+          <a:p>
+            <a:pPr lvl="2"/>
+            <a:r>
+              <a:rPr lang="en-US" dirty="0" smtClean="0"/>
+              <a:t>It is shift of thinking how you code </a:t>
+            </a:r>
+            <a:endParaRPr lang="en-US" dirty="0"/>
+          </a:p>
+        </p:txBody>
+      </p:sp>
+    </p:spTree>
+    <p:extLst>
+      <p:ext uri="{BB962C8B-B14F-4D97-AF65-F5344CB8AC3E}">
+        <p14:creationId xmlns:p14="http://schemas.microsoft.com/office/powerpoint/2010/main" val="2399300866"/>
+      </p:ext>
+    </p:extLst>
+  </p:cSld>
+  <p:clrMapOvr>
+    <a:masterClrMapping/>
+  </p:clrMapOvr>
+</p:sld>
+</file>
+
+<file path=ppt/slides/slide18.xml><?xml version="1.0" encoding="utf-8"?>
+<p:sld xmlns:a="http://schemas.openxmlformats.org/drawingml/2006/main" xmlns:r="http://schemas.openxmlformats.org/officeDocument/2006/relationships" xmlns:p="http://schemas.openxmlformats.org/presentationml/2006/main">
+  <p:cSld>
+    <p:spTree>
+      <p:nvGrpSpPr>
+        <p:cNvPr id="1" name=""/>
+        <p:cNvGrpSpPr/>
+        <p:nvPr/>
+      </p:nvGrpSpPr>
+      <p:grpSpPr>
+        <a:xfrm>
+          <a:off x="0" y="0"/>
+          <a:ext cx="0" cy="0"/>
+          <a:chOff x="0" y="0"/>
+          <a:chExt cx="0" cy="0"/>
+        </a:xfrm>
+      </p:grpSpPr>
+      <p:sp>
+        <p:nvSpPr>
+          <p:cNvPr id="2" name="Title 1"/>
+          <p:cNvSpPr>
+            <a:spLocks noGrp="1"/>
+          </p:cNvSpPr>
+          <p:nvPr>
+            <p:ph type="title"/>
+          </p:nvPr>
+        </p:nvSpPr>
+        <p:spPr/>
+        <p:txBody>
+          <a:bodyPr/>
+          <a:lstStyle/>
+          <a:p>
+            <a:r>
+              <a:rPr lang="en-US" dirty="0"/>
+              <a:t>Functional Programming</a:t>
+            </a:r>
+          </a:p>
+        </p:txBody>
+      </p:sp>
+      <p:sp>
+        <p:nvSpPr>
+          <p:cNvPr id="3" name="Content Placeholder 2"/>
+          <p:cNvSpPr>
+            <a:spLocks noGrp="1"/>
+          </p:cNvSpPr>
+          <p:nvPr>
+            <p:ph idx="1"/>
+          </p:nvPr>
+        </p:nvSpPr>
+        <p:spPr/>
+        <p:txBody>
+          <a:bodyPr/>
+          <a:lstStyle/>
+          <a:p>
+            <a:r>
+              <a:rPr lang="en-US" dirty="0" smtClean="0"/>
+              <a:t>Actually, you were thinking functionally </a:t>
+            </a:r>
+          </a:p>
+          <a:p>
+            <a:pPr lvl="1"/>
+            <a:r>
+              <a:rPr lang="en-US" dirty="0" smtClean="0"/>
+              <a:t>In high school </a:t>
+            </a:r>
+          </a:p>
+          <a:p>
+            <a:pPr lvl="1"/>
+            <a:r>
+              <a:rPr lang="en-US" dirty="0" smtClean="0"/>
+              <a:t>Mapping of values from a domain to another domain</a:t>
+            </a:r>
+          </a:p>
+          <a:p>
+            <a:pPr lvl="1"/>
+            <a:endParaRPr lang="en-US" dirty="0"/>
+          </a:p>
+        </p:txBody>
+      </p:sp>
+      <p:pic>
+        <p:nvPicPr>
+          <p:cNvPr id="4" name="Picture 3"/>
+          <p:cNvPicPr>
+            <a:picLocks noChangeAspect="1"/>
+          </p:cNvPicPr>
+          <p:nvPr/>
+        </p:nvPicPr>
+        <p:blipFill>
+          <a:blip r:embed="rId2"/>
+          <a:stretch>
+            <a:fillRect/>
+          </a:stretch>
+        </p:blipFill>
+        <p:spPr>
+          <a:xfrm>
+            <a:off x="4028381" y="3916363"/>
+            <a:ext cx="2235200" cy="2209800"/>
+          </a:xfrm>
+          <a:prstGeom prst="rect">
+            <a:avLst/>
+          </a:prstGeom>
+        </p:spPr>
+      </p:pic>
+    </p:spTree>
+    <p:extLst>
+      <p:ext uri="{BB962C8B-B14F-4D97-AF65-F5344CB8AC3E}">
+        <p14:creationId xmlns:p14="http://schemas.microsoft.com/office/powerpoint/2010/main" val="1935522735"/>
+      </p:ext>
+    </p:extLst>
+  </p:cSld>
+  <p:clrMapOvr>
+    <a:masterClrMapping/>
+  </p:clrMapOvr>
+</p:sld>
+</file>
+
+<file path=ppt/slides/slide19.xml><?xml version="1.0" encoding="utf-8"?>
+<p:sld xmlns:a="http://schemas.openxmlformats.org/drawingml/2006/main" xmlns:r="http://schemas.openxmlformats.org/officeDocument/2006/relationships" xmlns:p="http://schemas.openxmlformats.org/presentationml/2006/main">
+  <p:cSld>
+    <p:spTree>
+      <p:nvGrpSpPr>
+        <p:cNvPr id="1" name=""/>
+        <p:cNvGrpSpPr/>
+        <p:nvPr/>
+      </p:nvGrpSpPr>
+      <p:grpSpPr>
+        <a:xfrm>
+          <a:off x="0" y="0"/>
+          <a:ext cx="0" cy="0"/>
+          <a:chOff x="0" y="0"/>
+          <a:chExt cx="0" cy="0"/>
+        </a:xfrm>
+      </p:grpSpPr>
+      <p:sp>
+        <p:nvSpPr>
+          <p:cNvPr id="2" name="Title 1"/>
+          <p:cNvSpPr>
+            <a:spLocks noGrp="1"/>
+          </p:cNvSpPr>
+          <p:nvPr>
+            <p:ph type="title"/>
+          </p:nvPr>
+        </p:nvSpPr>
+        <p:spPr/>
+        <p:txBody>
+          <a:bodyPr/>
+          <a:lstStyle/>
+          <a:p>
+            <a:r>
+              <a:rPr lang="en-US" dirty="0"/>
+              <a:t>Functional Programming</a:t>
+            </a:r>
+          </a:p>
+        </p:txBody>
+      </p:sp>
+      <p:sp>
+        <p:nvSpPr>
+          <p:cNvPr id="3" name="Content Placeholder 2"/>
+          <p:cNvSpPr>
+            <a:spLocks noGrp="1"/>
+          </p:cNvSpPr>
+          <p:nvPr>
+            <p:ph idx="1"/>
+          </p:nvPr>
+        </p:nvSpPr>
+        <p:spPr/>
+        <p:txBody>
+          <a:bodyPr/>
+          <a:lstStyle/>
+          <a:p>
+            <a:r>
+              <a:rPr lang="en-US" dirty="0" smtClean="0"/>
+              <a:t>Function composition</a:t>
+            </a:r>
+          </a:p>
+          <a:p>
+            <a:endParaRPr lang="en-US" dirty="0" smtClean="0"/>
+          </a:p>
+          <a:p>
+            <a:endParaRPr lang="en-US" dirty="0" smtClean="0"/>
+          </a:p>
+          <a:p>
+            <a:endParaRPr lang="en-US" dirty="0"/>
+          </a:p>
+          <a:p>
+            <a:r>
+              <a:rPr lang="en-US" dirty="0" smtClean="0"/>
+              <a:t>Haskell:</a:t>
+            </a:r>
+          </a:p>
+          <a:p>
+            <a:pPr lvl="1"/>
+            <a:r>
+              <a:rPr lang="fr-FR" dirty="0"/>
+              <a:t>(.) :: (b -&gt; c) -&gt; (a -&gt; b) -&gt; a -&gt; c  </a:t>
+            </a:r>
+          </a:p>
+          <a:p>
+            <a:pPr lvl="1"/>
+            <a:r>
+              <a:rPr lang="fr-FR" dirty="0"/>
+              <a:t>f . g = \x -&gt; f (g x) </a:t>
+            </a:r>
+            <a:endParaRPr lang="en-US" dirty="0" smtClean="0"/>
+          </a:p>
+          <a:p>
+            <a:endParaRPr lang="en-US" dirty="0"/>
+          </a:p>
+        </p:txBody>
+      </p:sp>
+      <p:pic>
+        <p:nvPicPr>
+          <p:cNvPr id="7" name="Picture 6"/>
+          <p:cNvPicPr>
+            <a:picLocks noChangeAspect="1"/>
+          </p:cNvPicPr>
+          <p:nvPr/>
+        </p:nvPicPr>
+        <p:blipFill>
+          <a:blip r:embed="rId2"/>
+          <a:stretch>
+            <a:fillRect/>
+          </a:stretch>
+        </p:blipFill>
+        <p:spPr>
+          <a:xfrm>
+            <a:off x="2429112" y="2811087"/>
+            <a:ext cx="4114800" cy="1651000"/>
+          </a:xfrm>
+          <a:prstGeom prst="rect">
+            <a:avLst/>
+          </a:prstGeom>
+        </p:spPr>
+      </p:pic>
+    </p:spTree>
+    <p:extLst>
+      <p:ext uri="{BB962C8B-B14F-4D97-AF65-F5344CB8AC3E}">
+        <p14:creationId xmlns:p14="http://schemas.microsoft.com/office/powerpoint/2010/main" val="2426901956"/>
       </p:ext>
     </p:extLst>
   </p:cSld>
